--- a/23rd Sep/Sep 23rd.pptx
+++ b/23rd Sep/Sep 23rd.pptx
@@ -4838,6 +4838,26 @@
               <a:t>Compare</a:t>
             </a:r>
           </a:p>
+          <a:p>
+            <a:r>
+              <a:rPr lang="en-US" altLang="zh-CN" dirty="0"/>
+              <a:t>Modify to work fast:</a:t>
+            </a:r>
+          </a:p>
+          <a:p>
+            <a:pPr lvl="1"/>
+            <a:r>
+              <a:rPr lang="en-US" altLang="zh-CN" dirty="0"/>
+              <a:t>Store numeric string  instead of individual number</a:t>
+            </a:r>
+          </a:p>
+          <a:p>
+            <a:pPr lvl="1"/>
+            <a:r>
+              <a:rPr lang="en-US" altLang="zh-CN" dirty="0"/>
+              <a:t>Classify the melody</a:t>
+            </a:r>
+          </a:p>
         </p:txBody>
       </p:sp>
       <p:pic>
@@ -4897,6 +4917,53 @@
           <a:prstGeom prst="rect">
             <a:avLst/>
           </a:prstGeom>
+        </p:spPr>
+      </p:pic>
+      <p:pic>
+        <p:nvPicPr>
+          <p:cNvPr id="9" name="Picture 2" descr="Contour Typologies discussed previously in melodic contour analysis.... |  Download Scientific Diagram">
+            <a:extLst>
+              <a:ext uri="{FF2B5EF4-FFF2-40B4-BE49-F238E27FC236}">
+                <a16:creationId xmlns:a16="http://schemas.microsoft.com/office/drawing/2014/main" id="{9A70AF3D-4B54-42FF-A6EB-C59D329046C4}"/>
+              </a:ext>
+            </a:extLst>
+          </p:cNvPr>
+          <p:cNvPicPr>
+            <a:picLocks noChangeAspect="1" noChangeArrowheads="1"/>
+          </p:cNvPicPr>
+          <p:nvPr/>
+        </p:nvPicPr>
+        <p:blipFill>
+          <a:blip r:embed="rId4">
+            <a:extLst>
+              <a:ext uri="{28A0092B-C50C-407E-A947-70E740481C1C}">
+                <a14:useLocalDpi xmlns:a14="http://schemas.microsoft.com/office/drawing/2010/main" val="0"/>
+              </a:ext>
+            </a:extLst>
+          </a:blip>
+          <a:srcRect/>
+          <a:stretch>
+            <a:fillRect/>
+          </a:stretch>
+        </p:blipFill>
+        <p:spPr bwMode="auto">
+          <a:xfrm>
+            <a:off x="3707525" y="5146630"/>
+            <a:ext cx="2074150" cy="1302198"/>
+          </a:xfrm>
+          <a:prstGeom prst="rect">
+            <a:avLst/>
+          </a:prstGeom>
+          <a:noFill/>
+          <a:extLst>
+            <a:ext uri="{909E8E84-426E-40DD-AFC4-6F175D3DCCD1}">
+              <a14:hiddenFill xmlns:a14="http://schemas.microsoft.com/office/drawing/2010/main">
+                <a:solidFill>
+                  <a:srgbClr val="FFFFFF"/>
+                </a:solidFill>
+              </a14:hiddenFill>
+            </a:ext>
+          </a:extLst>
         </p:spPr>
       </p:pic>
     </p:spTree>
@@ -5669,10 +5736,10 @@
       </p:sp>
       <p:pic>
         <p:nvPicPr>
-          <p:cNvPr id="13" name="内容占位符 12">
+          <p:cNvPr id="17" name="内容占位符 16">
             <a:extLst>
               <a:ext uri="{FF2B5EF4-FFF2-40B4-BE49-F238E27FC236}">
-                <a16:creationId xmlns:a16="http://schemas.microsoft.com/office/drawing/2014/main" id="{DC936F77-3419-4136-99CE-59AF9566B458}"/>
+                <a16:creationId xmlns:a16="http://schemas.microsoft.com/office/drawing/2014/main" id="{1730283B-3CB8-4677-9420-C75A34DB8825}"/>
               </a:ext>
             </a:extLst>
           </p:cNvPr>
@@ -5691,8 +5758,8 @@
         </p:blipFill>
         <p:spPr>
           <a:xfrm>
-            <a:off x="1451285" y="1576388"/>
-            <a:ext cx="9022731" cy="4640262"/>
+            <a:off x="1974927" y="1604963"/>
+            <a:ext cx="8242143" cy="4640262"/>
           </a:xfrm>
         </p:spPr>
       </p:pic>
